--- a/Presentations/SCTP/SCTP.pptx
+++ b/Presentations/SCTP/SCTP.pptx
@@ -13,29 +13,31 @@
     <p:sldId id="419" r:id="rId7"/>
     <p:sldId id="420" r:id="rId8"/>
     <p:sldId id="394" r:id="rId9"/>
-    <p:sldId id="393" r:id="rId10"/>
-    <p:sldId id="397" r:id="rId11"/>
-    <p:sldId id="398" r:id="rId12"/>
-    <p:sldId id="415" r:id="rId13"/>
-    <p:sldId id="417" r:id="rId14"/>
-    <p:sldId id="399" r:id="rId15"/>
-    <p:sldId id="400" r:id="rId16"/>
-    <p:sldId id="401" r:id="rId17"/>
-    <p:sldId id="402" r:id="rId18"/>
-    <p:sldId id="403" r:id="rId19"/>
-    <p:sldId id="395" r:id="rId20"/>
-    <p:sldId id="405" r:id="rId21"/>
-    <p:sldId id="406" r:id="rId22"/>
-    <p:sldId id="407" r:id="rId23"/>
-    <p:sldId id="408" r:id="rId24"/>
-    <p:sldId id="409" r:id="rId25"/>
-    <p:sldId id="404" r:id="rId26"/>
-    <p:sldId id="412" r:id="rId27"/>
-    <p:sldId id="413" r:id="rId28"/>
-    <p:sldId id="414" r:id="rId29"/>
-    <p:sldId id="411" r:id="rId30"/>
-    <p:sldId id="416" r:id="rId31"/>
-    <p:sldId id="259" r:id="rId32"/>
+    <p:sldId id="422" r:id="rId10"/>
+    <p:sldId id="421" r:id="rId11"/>
+    <p:sldId id="393" r:id="rId12"/>
+    <p:sldId id="397" r:id="rId13"/>
+    <p:sldId id="398" r:id="rId14"/>
+    <p:sldId id="415" r:id="rId15"/>
+    <p:sldId id="417" r:id="rId16"/>
+    <p:sldId id="399" r:id="rId17"/>
+    <p:sldId id="400" r:id="rId18"/>
+    <p:sldId id="401" r:id="rId19"/>
+    <p:sldId id="402" r:id="rId20"/>
+    <p:sldId id="403" r:id="rId21"/>
+    <p:sldId id="395" r:id="rId22"/>
+    <p:sldId id="405" r:id="rId23"/>
+    <p:sldId id="406" r:id="rId24"/>
+    <p:sldId id="407" r:id="rId25"/>
+    <p:sldId id="408" r:id="rId26"/>
+    <p:sldId id="409" r:id="rId27"/>
+    <p:sldId id="404" r:id="rId28"/>
+    <p:sldId id="412" r:id="rId29"/>
+    <p:sldId id="413" r:id="rId30"/>
+    <p:sldId id="414" r:id="rId31"/>
+    <p:sldId id="411" r:id="rId32"/>
+    <p:sldId id="416" r:id="rId33"/>
+    <p:sldId id="259" r:id="rId34"/>
   </p:sldIdLst>
   <p:sldSz cx="9144000" cy="6858000" type="screen4x3"/>
   <p:notesSz cx="6858000" cy="9144000"/>
@@ -374,7 +376,7 @@
               <a:pPr>
                 <a:defRPr/>
               </a:pPr>
-              <a:t>06/03/2017</a:t>
+              <a:t>22/12/2019</a:t>
             </a:fld>
             <a:endParaRPr lang="fr-CA"/>
           </a:p>
@@ -566,7 +568,7 @@
               <a:pPr>
                 <a:defRPr/>
               </a:pPr>
-              <a:t>06/03/2017</a:t>
+              <a:t>22/12/2019</a:t>
             </a:fld>
             <a:endParaRPr lang="fr-CA"/>
           </a:p>
@@ -768,7 +770,7 @@
               <a:pPr>
                 <a:defRPr/>
               </a:pPr>
-              <a:t>06/03/2017</a:t>
+              <a:t>22/12/2019</a:t>
             </a:fld>
             <a:endParaRPr lang="fr-CA"/>
           </a:p>
@@ -960,7 +962,7 @@
               <a:pPr>
                 <a:defRPr/>
               </a:pPr>
-              <a:t>06/03/2017</a:t>
+              <a:t>22/12/2019</a:t>
             </a:fld>
             <a:endParaRPr lang="fr-CA"/>
           </a:p>
@@ -1228,7 +1230,7 @@
               <a:pPr>
                 <a:defRPr/>
               </a:pPr>
-              <a:t>06/03/2017</a:t>
+              <a:t>22/12/2019</a:t>
             </a:fld>
             <a:endParaRPr lang="fr-CA"/>
           </a:p>
@@ -1538,7 +1540,7 @@
               <a:pPr>
                 <a:defRPr/>
               </a:pPr>
-              <a:t>06/03/2017</a:t>
+              <a:t>22/12/2019</a:t>
             </a:fld>
             <a:endParaRPr lang="fr-CA"/>
           </a:p>
@@ -1982,7 +1984,7 @@
               <a:pPr>
                 <a:defRPr/>
               </a:pPr>
-              <a:t>06/03/2017</a:t>
+              <a:t>22/12/2019</a:t>
             </a:fld>
             <a:endParaRPr lang="fr-CA"/>
           </a:p>
@@ -2122,7 +2124,7 @@
               <a:pPr>
                 <a:defRPr/>
               </a:pPr>
-              <a:t>06/03/2017</a:t>
+              <a:t>22/12/2019</a:t>
             </a:fld>
             <a:endParaRPr lang="fr-CA"/>
           </a:p>
@@ -2239,7 +2241,7 @@
               <a:pPr>
                 <a:defRPr/>
               </a:pPr>
-              <a:t>06/03/2017</a:t>
+              <a:t>22/12/2019</a:t>
             </a:fld>
             <a:endParaRPr lang="fr-CA"/>
           </a:p>
@@ -2538,7 +2540,7 @@
               <a:pPr>
                 <a:defRPr/>
               </a:pPr>
-              <a:t>06/03/2017</a:t>
+              <a:t>22/12/2019</a:t>
             </a:fld>
             <a:endParaRPr lang="fr-CA"/>
           </a:p>
@@ -2820,7 +2822,7 @@
               <a:pPr>
                 <a:defRPr/>
               </a:pPr>
-              <a:t>06/03/2017</a:t>
+              <a:t>22/12/2019</a:t>
             </a:fld>
             <a:endParaRPr lang="fr-CA"/>
           </a:p>
@@ -3084,7 +3086,7 @@
               <a:pPr>
                 <a:defRPr/>
               </a:pPr>
-              <a:t>06/03/2017</a:t>
+              <a:t>22/12/2019</a:t>
             </a:fld>
             <a:endParaRPr lang="fr-CA"/>
           </a:p>
@@ -3745,30 +3747,11 @@
               </a:rPr>
               <a:t>Core</a:t>
             </a:r>
-            <a:r>
-              <a:rPr lang="fr-CA" dirty="0">
-                <a:solidFill>
-                  <a:schemeClr val="bg1"/>
-                </a:solidFill>
-              </a:rPr>
-              <a:t> (</a:t>
-            </a:r>
-            <a:r>
-              <a:rPr lang="fr-CA" dirty="0" err="1">
-                <a:solidFill>
-                  <a:schemeClr val="bg1"/>
-                </a:solidFill>
-              </a:rPr>
-              <a:t>cont</a:t>
-            </a:r>
-            <a:r>
-              <a:rPr lang="fr-CA" dirty="0">
-                <a:solidFill>
-                  <a:schemeClr val="bg1"/>
-                </a:solidFill>
-              </a:rPr>
-              <a:t>.)</a:t>
-            </a:r>
+            <a:endParaRPr lang="fr-CA" dirty="0">
+              <a:solidFill>
+                <a:schemeClr val="bg1"/>
+              </a:solidFill>
+            </a:endParaRPr>
           </a:p>
         </p:txBody>
       </p:sp>
@@ -3785,7 +3768,7 @@
         <p:spPr>
           <a:xfrm>
             <a:off x="304800" y="1905000"/>
-            <a:ext cx="8534400" cy="457200"/>
+            <a:ext cx="8534400" cy="990600"/>
           </a:xfrm>
         </p:spPr>
         <p:txBody>
@@ -3798,7 +3781,7 @@
                   <a:srgbClr val="3C5790"/>
                 </a:solidFill>
               </a:rPr>
-              <a:t>SCTP can carry SS7 signal on IP networks.</a:t>
+              <a:t>Protocol stack</a:t>
             </a:r>
           </a:p>
         </p:txBody>
@@ -3819,8 +3802,8 @@
         </p:blipFill>
         <p:spPr>
           <a:xfrm>
-            <a:off x="762000" y="2438400"/>
-            <a:ext cx="7239000" cy="4048125"/>
+            <a:off x="2667000" y="2667000"/>
+            <a:ext cx="3317875" cy="2895600"/>
           </a:xfrm>
           <a:prstGeom prst="rect">
             <a:avLst/>
@@ -3830,7 +3813,7 @@
     </p:spTree>
     <p:extLst>
       <p:ext uri="{BB962C8B-B14F-4D97-AF65-F5344CB8AC3E}">
-        <p14:creationId xmlns:p14="http://schemas.microsoft.com/office/powerpoint/2010/main" val="1314231609"/>
+        <p14:creationId xmlns:p14="http://schemas.microsoft.com/office/powerpoint/2010/main" val="3928012751"/>
       </p:ext>
     </p:extLst>
   </p:cSld>
@@ -3932,7 +3915,7 @@
         <p:spPr>
           <a:xfrm>
             <a:off x="304800" y="1905000"/>
-            <a:ext cx="8534400" cy="2057400"/>
+            <a:ext cx="8534400" cy="3810000"/>
           </a:xfrm>
         </p:spPr>
         <p:txBody>
@@ -3945,7 +3928,7 @@
                   <a:srgbClr val="3C5790"/>
                 </a:solidFill>
               </a:rPr>
-              <a:t>When a packet is lots, retransmission will occur:</a:t>
+              <a:t>TCP issues:</a:t>
             </a:r>
           </a:p>
           <a:p>
@@ -3956,7 +3939,7 @@
                   <a:srgbClr val="3C5790"/>
                 </a:solidFill>
               </a:rPr>
-              <a:t>repeated SACKs occur reporting missing packet(via holes) 4 times</a:t>
+              <a:t>Head of line blocking in TCP</a:t>
             </a:r>
           </a:p>
           <a:p>
@@ -3967,47 +3950,29 @@
                   <a:srgbClr val="3C5790"/>
                 </a:solidFill>
               </a:rPr>
-              <a:t>a time-out on the packet.</a:t>
-            </a:r>
-          </a:p>
-          <a:p>
+              <a:t>TCP is stream (byte) oriented)</a:t>
+            </a:r>
+          </a:p>
+          <a:p>
+            <a:pPr lvl="1"/>
             <a:r>
               <a:rPr lang="en-US" sz="1400" dirty="0">
                 <a:solidFill>
                   <a:srgbClr val="3C5790"/>
                 </a:solidFill>
               </a:rPr>
-              <a:t>Receiver SACKs every packet when a hole exists.</a:t>
-            </a:r>
-          </a:p>
-          <a:p>
+              <a:t>Fault-tolerance</a:t>
+            </a:r>
+          </a:p>
+          <a:p>
+            <a:pPr lvl="1"/>
             <a:r>
               <a:rPr lang="en-US" sz="1400" dirty="0">
                 <a:solidFill>
                   <a:srgbClr val="3C5790"/>
                 </a:solidFill>
               </a:rPr>
-              <a:t>All gaps/fragments reports describe what has been received.</a:t>
-            </a:r>
-          </a:p>
-          <a:p>
-            <a:r>
-              <a:rPr lang="en-US" sz="1400" dirty="0">
-                <a:solidFill>
-                  <a:srgbClr val="3C5790"/>
-                </a:solidFill>
-              </a:rPr>
-              <a:t>All gaps/fragments numbers are offsets from the cumulative TSN.</a:t>
-            </a:r>
-          </a:p>
-          <a:p>
-            <a:r>
-              <a:rPr lang="en-US" sz="1400" dirty="0">
-                <a:solidFill>
-                  <a:srgbClr val="3C5790"/>
-                </a:solidFill>
-              </a:rPr>
-              <a:t>Retransmissions are made to alternate destinations if possible.</a:t>
+              <a:t>TCP vulnerable to Denial of Service attacks</a:t>
             </a:r>
           </a:p>
         </p:txBody>
@@ -4015,7 +3980,7 @@
     </p:spTree>
     <p:extLst>
       <p:ext uri="{BB962C8B-B14F-4D97-AF65-F5344CB8AC3E}">
-        <p14:creationId xmlns:p14="http://schemas.microsoft.com/office/powerpoint/2010/main" val="135621752"/>
+        <p14:creationId xmlns:p14="http://schemas.microsoft.com/office/powerpoint/2010/main" val="877390435"/>
       </p:ext>
     </p:extLst>
   </p:cSld>
@@ -4117,7 +4082,7 @@
         <p:spPr>
           <a:xfrm>
             <a:off x="304800" y="1905000"/>
-            <a:ext cx="8534400" cy="2057400"/>
+            <a:ext cx="8534400" cy="457200"/>
           </a:xfrm>
         </p:spPr>
         <p:txBody>
@@ -4130,35 +4095,39 @@
                   <a:srgbClr val="3C5790"/>
                 </a:solidFill>
               </a:rPr>
-              <a:t>Heart Beat is sent on idle destinations at predetermined rate.</a:t>
-            </a:r>
-          </a:p>
-          <a:p>
-            <a:r>
-              <a:rPr lang="en-US" sz="1400" dirty="0">
-                <a:solidFill>
-                  <a:srgbClr val="3C5790"/>
-                </a:solidFill>
-              </a:rPr>
-              <a:t>Receiver responds with Ack.</a:t>
-            </a:r>
-          </a:p>
-          <a:p>
-            <a:r>
-              <a:rPr lang="en-US" sz="1400" dirty="0">
-                <a:solidFill>
-                  <a:srgbClr val="3C5790"/>
-                </a:solidFill>
-              </a:rPr>
-              <a:t>If the primary destination is down then switch all traffic to an alternate IP address.</a:t>
-            </a:r>
-          </a:p>
-        </p:txBody>
-      </p:sp>
+              <a:t>SCTP can carry SS7 signal on IP networks.</a:t>
+            </a:r>
+          </a:p>
+        </p:txBody>
+      </p:sp>
+      <p:pic>
+        <p:nvPicPr>
+          <p:cNvPr id="2" name="Picture 1"/>
+          <p:cNvPicPr>
+            <a:picLocks noChangeAspect="1"/>
+          </p:cNvPicPr>
+          <p:nvPr/>
+        </p:nvPicPr>
+        <p:blipFill>
+          <a:blip r:embed="rId3"/>
+          <a:stretch>
+            <a:fillRect/>
+          </a:stretch>
+        </p:blipFill>
+        <p:spPr>
+          <a:xfrm>
+            <a:off x="762000" y="2438400"/>
+            <a:ext cx="7239000" cy="4048125"/>
+          </a:xfrm>
+          <a:prstGeom prst="rect">
+            <a:avLst/>
+          </a:prstGeom>
+        </p:spPr>
+      </p:pic>
     </p:spTree>
     <p:extLst>
       <p:ext uri="{BB962C8B-B14F-4D97-AF65-F5344CB8AC3E}">
-        <p14:creationId xmlns:p14="http://schemas.microsoft.com/office/powerpoint/2010/main" val="2608088893"/>
+        <p14:creationId xmlns:p14="http://schemas.microsoft.com/office/powerpoint/2010/main" val="1314231609"/>
       </p:ext>
     </p:extLst>
   </p:cSld>
@@ -4273,27 +4242,29 @@
                   <a:srgbClr val="3C5790"/>
                 </a:solidFill>
               </a:rPr>
-              <a:t>SCTP uses validation/verification tags to verify packages belong to an association.</a:t>
-            </a:r>
-          </a:p>
-          <a:p>
+              <a:t>When a packet is lots, retransmission will occur:</a:t>
+            </a:r>
+          </a:p>
+          <a:p>
+            <a:pPr lvl="1"/>
             <a:r>
               <a:rPr lang="en-US" sz="1400" dirty="0">
                 <a:solidFill>
                   <a:srgbClr val="3C5790"/>
                 </a:solidFill>
               </a:rPr>
-              <a:t>Blind attacks are not possible.</a:t>
-            </a:r>
-          </a:p>
-          <a:p>
+              <a:t>repeated SACKs occur reporting missing packet(via holes) 4 times</a:t>
+            </a:r>
+          </a:p>
+          <a:p>
+            <a:pPr lvl="1"/>
             <a:r>
               <a:rPr lang="en-US" sz="1400" dirty="0">
                 <a:solidFill>
                   <a:srgbClr val="3C5790"/>
                 </a:solidFill>
               </a:rPr>
-              <a:t>COOKIE-Protect against SYN attacks.</a:t>
+              <a:t>a time-out on the packet.</a:t>
             </a:r>
           </a:p>
           <a:p>
@@ -4303,7 +4274,37 @@
                   <a:srgbClr val="3C5790"/>
                 </a:solidFill>
               </a:rPr>
-              <a:t>There is no protection to data contents.</a:t>
+              <a:t>Receiver SACKs every packet when a hole exists.</a:t>
+            </a:r>
+          </a:p>
+          <a:p>
+            <a:r>
+              <a:rPr lang="en-US" sz="1400" dirty="0">
+                <a:solidFill>
+                  <a:srgbClr val="3C5790"/>
+                </a:solidFill>
+              </a:rPr>
+              <a:t>All gaps/fragments reports describe what has been received.</a:t>
+            </a:r>
+          </a:p>
+          <a:p>
+            <a:r>
+              <a:rPr lang="en-US" sz="1400" dirty="0">
+                <a:solidFill>
+                  <a:srgbClr val="3C5790"/>
+                </a:solidFill>
+              </a:rPr>
+              <a:t>All gaps/fragments numbers are offsets from the cumulative TSN.</a:t>
+            </a:r>
+          </a:p>
+          <a:p>
+            <a:r>
+              <a:rPr lang="en-US" sz="1400" dirty="0">
+                <a:solidFill>
+                  <a:srgbClr val="3C5790"/>
+                </a:solidFill>
+              </a:rPr>
+              <a:t>Retransmissions are made to alternate destinations if possible.</a:t>
             </a:r>
           </a:p>
         </p:txBody>
@@ -4311,7 +4312,7 @@
     </p:spTree>
     <p:extLst>
       <p:ext uri="{BB962C8B-B14F-4D97-AF65-F5344CB8AC3E}">
-        <p14:creationId xmlns:p14="http://schemas.microsoft.com/office/powerpoint/2010/main" val="3967866318"/>
+        <p14:creationId xmlns:p14="http://schemas.microsoft.com/office/powerpoint/2010/main" val="135621752"/>
       </p:ext>
     </p:extLst>
   </p:cSld>
@@ -4366,12 +4367,36 @@
           <a:lstStyle/>
           <a:p>
             <a:r>
+              <a:rPr lang="fr-CA" dirty="0" err="1">
+                <a:solidFill>
+                  <a:schemeClr val="bg1"/>
+                </a:solidFill>
+              </a:rPr>
+              <a:t>Core</a:t>
+            </a:r>
+            <a:r>
               <a:rPr lang="fr-CA" dirty="0">
                 <a:solidFill>
                   <a:schemeClr val="bg1"/>
                 </a:solidFill>
               </a:rPr>
-              <a:t>Components</a:t>
+              <a:t> (</a:t>
+            </a:r>
+            <a:r>
+              <a:rPr lang="fr-CA" dirty="0" err="1">
+                <a:solidFill>
+                  <a:schemeClr val="bg1"/>
+                </a:solidFill>
+              </a:rPr>
+              <a:t>cont</a:t>
+            </a:r>
+            <a:r>
+              <a:rPr lang="fr-CA" dirty="0">
+                <a:solidFill>
+                  <a:schemeClr val="bg1"/>
+                </a:solidFill>
+              </a:rPr>
+              <a:t>.)</a:t>
             </a:r>
           </a:p>
         </p:txBody>
@@ -4402,7 +4427,7 @@
                   <a:srgbClr val="3C5790"/>
                 </a:solidFill>
               </a:rPr>
-              <a:t>Association startup and teardown</a:t>
+              <a:t>Heart Beat is sent on idle destinations at predetermined rate.</a:t>
             </a:r>
           </a:p>
           <a:p>
@@ -4412,7 +4437,7 @@
                   <a:srgbClr val="3C5790"/>
                 </a:solidFill>
               </a:rPr>
-              <a:t>Sequences delivery within streams</a:t>
+              <a:t>Receiver responds with Ack.</a:t>
             </a:r>
           </a:p>
           <a:p>
@@ -4422,47 +4447,7 @@
                   <a:srgbClr val="3C5790"/>
                 </a:solidFill>
               </a:rPr>
-              <a:t>User data fragmentation</a:t>
-            </a:r>
-          </a:p>
-          <a:p>
-            <a:r>
-              <a:rPr lang="en-US" sz="1400" dirty="0">
-                <a:solidFill>
-                  <a:srgbClr val="3C5790"/>
-                </a:solidFill>
-              </a:rPr>
-              <a:t>Sack, congestion avoidance</a:t>
-            </a:r>
-          </a:p>
-          <a:p>
-            <a:r>
-              <a:rPr lang="en-US" sz="1400" dirty="0">
-                <a:solidFill>
-                  <a:srgbClr val="3C5790"/>
-                </a:solidFill>
-              </a:rPr>
-              <a:t>Chunk bundling</a:t>
-            </a:r>
-          </a:p>
-          <a:p>
-            <a:r>
-              <a:rPr lang="en-US" sz="1400" dirty="0">
-                <a:solidFill>
-                  <a:srgbClr val="3C5790"/>
-                </a:solidFill>
-              </a:rPr>
-              <a:t>Packet validation</a:t>
-            </a:r>
-          </a:p>
-          <a:p>
-            <a:r>
-              <a:rPr lang="en-US" sz="1400" dirty="0">
-                <a:solidFill>
-                  <a:srgbClr val="3C5790"/>
-                </a:solidFill>
-              </a:rPr>
-              <a:t>Path management</a:t>
+              <a:t>If the primary destination is down then switch all traffic to an alternate IP address.</a:t>
             </a:r>
           </a:p>
         </p:txBody>
@@ -4470,7 +4455,7 @@
     </p:spTree>
     <p:extLst>
       <p:ext uri="{BB962C8B-B14F-4D97-AF65-F5344CB8AC3E}">
-        <p14:creationId xmlns:p14="http://schemas.microsoft.com/office/powerpoint/2010/main" val="1928749542"/>
+        <p14:creationId xmlns:p14="http://schemas.microsoft.com/office/powerpoint/2010/main" val="2608088893"/>
       </p:ext>
     </p:extLst>
   </p:cSld>
@@ -4525,12 +4510,20 @@
           <a:lstStyle/>
           <a:p>
             <a:r>
+              <a:rPr lang="fr-CA" dirty="0" err="1">
+                <a:solidFill>
+                  <a:schemeClr val="bg1"/>
+                </a:solidFill>
+              </a:rPr>
+              <a:t>Core</a:t>
+            </a:r>
+            <a:r>
               <a:rPr lang="fr-CA" dirty="0">
                 <a:solidFill>
                   <a:schemeClr val="bg1"/>
                 </a:solidFill>
               </a:rPr>
-              <a:t>Components (</a:t>
+              <a:t> (</a:t>
             </a:r>
             <a:r>
               <a:rPr lang="fr-CA" dirty="0" err="1">
@@ -4551,34 +4544,71 @@
           </a:p>
         </p:txBody>
       </p:sp>
-      <p:pic>
-        <p:nvPicPr>
-          <p:cNvPr id="3" name="Picture 2"/>
-          <p:cNvPicPr>
-            <a:picLocks noChangeAspect="1"/>
-          </p:cNvPicPr>
-          <p:nvPr/>
-        </p:nvPicPr>
-        <p:blipFill>
-          <a:blip r:embed="rId3"/>
-          <a:stretch>
-            <a:fillRect/>
-          </a:stretch>
-        </p:blipFill>
+      <p:sp>
+        <p:nvSpPr>
+          <p:cNvPr id="4099" name="Espace réservé du contenu 4"/>
+          <p:cNvSpPr>
+            <a:spLocks noGrp="1"/>
+          </p:cNvSpPr>
+          <p:nvPr>
+            <p:ph idx="1"/>
+          </p:nvPr>
+        </p:nvSpPr>
         <p:spPr>
           <a:xfrm>
-            <a:off x="914400" y="2152650"/>
-            <a:ext cx="7004326" cy="4095750"/>
+            <a:off x="304800" y="1905000"/>
+            <a:ext cx="8534400" cy="2057400"/>
           </a:xfrm>
-          <a:prstGeom prst="rect">
-            <a:avLst/>
-          </a:prstGeom>
         </p:spPr>
-      </p:pic>
+        <p:txBody>
+          <a:bodyPr/>
+          <a:lstStyle/>
+          <a:p>
+            <a:r>
+              <a:rPr lang="en-US" sz="1400" dirty="0">
+                <a:solidFill>
+                  <a:srgbClr val="3C5790"/>
+                </a:solidFill>
+              </a:rPr>
+              <a:t>SCTP uses validation/verification tags to verify packages belong to an association.</a:t>
+            </a:r>
+          </a:p>
+          <a:p>
+            <a:r>
+              <a:rPr lang="en-US" sz="1400" dirty="0">
+                <a:solidFill>
+                  <a:srgbClr val="3C5790"/>
+                </a:solidFill>
+              </a:rPr>
+              <a:t>Blind attacks are not possible.</a:t>
+            </a:r>
+          </a:p>
+          <a:p>
+            <a:r>
+              <a:rPr lang="en-US" sz="1400" dirty="0">
+                <a:solidFill>
+                  <a:srgbClr val="3C5790"/>
+                </a:solidFill>
+              </a:rPr>
+              <a:t>COOKIE-Protect against SYN attacks.</a:t>
+            </a:r>
+          </a:p>
+          <a:p>
+            <a:r>
+              <a:rPr lang="en-US" sz="1400" dirty="0">
+                <a:solidFill>
+                  <a:srgbClr val="3C5790"/>
+                </a:solidFill>
+              </a:rPr>
+              <a:t>There is no protection to data contents.</a:t>
+            </a:r>
+          </a:p>
+        </p:txBody>
+      </p:sp>
     </p:spTree>
     <p:extLst>
       <p:ext uri="{BB962C8B-B14F-4D97-AF65-F5344CB8AC3E}">
-        <p14:creationId xmlns:p14="http://schemas.microsoft.com/office/powerpoint/2010/main" val="1361139320"/>
+        <p14:creationId xmlns:p14="http://schemas.microsoft.com/office/powerpoint/2010/main" val="3967866318"/>
       </p:ext>
     </p:extLst>
   </p:cSld>
@@ -4638,55 +4668,106 @@
                   <a:schemeClr val="bg1"/>
                 </a:solidFill>
               </a:rPr>
-              <a:t>Components (</a:t>
-            </a:r>
-            <a:r>
-              <a:rPr lang="fr-CA" dirty="0" err="1">
-                <a:solidFill>
-                  <a:schemeClr val="bg1"/>
-                </a:solidFill>
-              </a:rPr>
-              <a:t>cont</a:t>
-            </a:r>
-            <a:r>
-              <a:rPr lang="fr-CA" dirty="0">
-                <a:solidFill>
-                  <a:schemeClr val="bg1"/>
-                </a:solidFill>
-              </a:rPr>
-              <a:t>.)</a:t>
-            </a:r>
-          </a:p>
-        </p:txBody>
-      </p:sp>
-      <p:pic>
-        <p:nvPicPr>
-          <p:cNvPr id="2" name="Picture 1"/>
-          <p:cNvPicPr>
-            <a:picLocks noChangeAspect="1"/>
-          </p:cNvPicPr>
-          <p:nvPr/>
-        </p:nvPicPr>
-        <p:blipFill>
-          <a:blip r:embed="rId3"/>
-          <a:stretch>
-            <a:fillRect/>
-          </a:stretch>
-        </p:blipFill>
+              <a:t>Components</a:t>
+            </a:r>
+          </a:p>
+        </p:txBody>
+      </p:sp>
+      <p:sp>
+        <p:nvSpPr>
+          <p:cNvPr id="4099" name="Espace réservé du contenu 4"/>
+          <p:cNvSpPr>
+            <a:spLocks noGrp="1"/>
+          </p:cNvSpPr>
+          <p:nvPr>
+            <p:ph idx="1"/>
+          </p:nvPr>
+        </p:nvSpPr>
         <p:spPr>
           <a:xfrm>
-            <a:off x="2095500" y="2428875"/>
-            <a:ext cx="4533900" cy="3438525"/>
+            <a:off x="304800" y="1905000"/>
+            <a:ext cx="8534400" cy="2057400"/>
           </a:xfrm>
-          <a:prstGeom prst="rect">
-            <a:avLst/>
-          </a:prstGeom>
         </p:spPr>
-      </p:pic>
+        <p:txBody>
+          <a:bodyPr/>
+          <a:lstStyle/>
+          <a:p>
+            <a:r>
+              <a:rPr lang="en-US" sz="1400" dirty="0">
+                <a:solidFill>
+                  <a:srgbClr val="3C5790"/>
+                </a:solidFill>
+              </a:rPr>
+              <a:t>Association startup and teardown</a:t>
+            </a:r>
+          </a:p>
+          <a:p>
+            <a:r>
+              <a:rPr lang="en-US" sz="1400" dirty="0">
+                <a:solidFill>
+                  <a:srgbClr val="3C5790"/>
+                </a:solidFill>
+              </a:rPr>
+              <a:t>Sequences delivery within streams</a:t>
+            </a:r>
+          </a:p>
+          <a:p>
+            <a:r>
+              <a:rPr lang="en-US" sz="1400" dirty="0">
+                <a:solidFill>
+                  <a:srgbClr val="3C5790"/>
+                </a:solidFill>
+              </a:rPr>
+              <a:t>User data fragmentation</a:t>
+            </a:r>
+          </a:p>
+          <a:p>
+            <a:r>
+              <a:rPr lang="en-US" sz="1400" dirty="0">
+                <a:solidFill>
+                  <a:srgbClr val="3C5790"/>
+                </a:solidFill>
+              </a:rPr>
+              <a:t>Sack, congestion avoidance</a:t>
+            </a:r>
+          </a:p>
+          <a:p>
+            <a:r>
+              <a:rPr lang="en-US" sz="1400" dirty="0">
+                <a:solidFill>
+                  <a:srgbClr val="3C5790"/>
+                </a:solidFill>
+              </a:rPr>
+              <a:t>Chunk bundling</a:t>
+            </a:r>
+          </a:p>
+          <a:p>
+            <a:r>
+              <a:rPr lang="en-US" sz="1400" dirty="0">
+                <a:solidFill>
+                  <a:srgbClr val="3C5790"/>
+                </a:solidFill>
+              </a:rPr>
+              <a:t>Packet validation</a:t>
+            </a:r>
+          </a:p>
+          <a:p>
+            <a:r>
+              <a:rPr lang="en-US" sz="1400" dirty="0">
+                <a:solidFill>
+                  <a:srgbClr val="3C5790"/>
+                </a:solidFill>
+              </a:rPr>
+              <a:t>Path management</a:t>
+            </a:r>
+          </a:p>
+        </p:txBody>
+      </p:sp>
     </p:spTree>
     <p:extLst>
       <p:ext uri="{BB962C8B-B14F-4D97-AF65-F5344CB8AC3E}">
-        <p14:creationId xmlns:p14="http://schemas.microsoft.com/office/powerpoint/2010/main" val="303270559"/>
+        <p14:creationId xmlns:p14="http://schemas.microsoft.com/office/powerpoint/2010/main" val="1928749542"/>
       </p:ext>
     </p:extLst>
   </p:cSld>
@@ -4783,8 +4864,8 @@
         </p:blipFill>
         <p:spPr>
           <a:xfrm>
-            <a:off x="1981200" y="2130108"/>
-            <a:ext cx="4538663" cy="4042092"/>
+            <a:off x="914400" y="2152650"/>
+            <a:ext cx="7004326" cy="4095750"/>
           </a:xfrm>
           <a:prstGeom prst="rect">
             <a:avLst/>
@@ -4794,7 +4875,7 @@
     </p:spTree>
     <p:extLst>
       <p:ext uri="{BB962C8B-B14F-4D97-AF65-F5344CB8AC3E}">
-        <p14:creationId xmlns:p14="http://schemas.microsoft.com/office/powerpoint/2010/main" val="759887684"/>
+        <p14:creationId xmlns:p14="http://schemas.microsoft.com/office/powerpoint/2010/main" val="1361139320"/>
       </p:ext>
     </p:extLst>
   </p:cSld>
@@ -4891,8 +4972,8 @@
         </p:blipFill>
         <p:spPr>
           <a:xfrm>
-            <a:off x="1981200" y="2238375"/>
-            <a:ext cx="4983193" cy="3781425"/>
+            <a:off x="2095500" y="2428875"/>
+            <a:ext cx="4533900" cy="3438525"/>
           </a:xfrm>
           <a:prstGeom prst="rect">
             <a:avLst/>
@@ -4902,7 +4983,7 @@
     </p:spTree>
     <p:extLst>
       <p:ext uri="{BB962C8B-B14F-4D97-AF65-F5344CB8AC3E}">
-        <p14:creationId xmlns:p14="http://schemas.microsoft.com/office/powerpoint/2010/main" val="2154488391"/>
+        <p14:creationId xmlns:p14="http://schemas.microsoft.com/office/powerpoint/2010/main" val="303270559"/>
       </p:ext>
     </p:extLst>
   </p:cSld>
@@ -4957,12 +5038,20 @@
           <a:lstStyle/>
           <a:p>
             <a:r>
+              <a:rPr lang="fr-CA" dirty="0">
+                <a:solidFill>
+                  <a:schemeClr val="bg1"/>
+                </a:solidFill>
+              </a:rPr>
+              <a:t>Components (</a:t>
+            </a:r>
+            <a:r>
               <a:rPr lang="fr-CA" dirty="0" err="1">
                 <a:solidFill>
                   <a:schemeClr val="bg1"/>
                 </a:solidFill>
               </a:rPr>
-              <a:t>Packet</a:t>
+              <a:t>cont</a:t>
             </a:r>
             <a:r>
               <a:rPr lang="fr-CA" dirty="0">
@@ -4970,7 +5059,7 @@
                   <a:schemeClr val="bg1"/>
                 </a:solidFill>
               </a:rPr>
-              <a:t> Format</a:t>
+              <a:t>.)</a:t>
             </a:r>
           </a:p>
         </p:txBody>
@@ -4991,8 +5080,8 @@
         </p:blipFill>
         <p:spPr>
           <a:xfrm>
-            <a:off x="749490" y="2133600"/>
-            <a:ext cx="7403910" cy="4133850"/>
+            <a:off x="1981200" y="2130108"/>
+            <a:ext cx="4538663" cy="4042092"/>
           </a:xfrm>
           <a:prstGeom prst="rect">
             <a:avLst/>
@@ -5002,7 +5091,7 @@
     </p:spTree>
     <p:extLst>
       <p:ext uri="{BB962C8B-B14F-4D97-AF65-F5344CB8AC3E}">
-        <p14:creationId xmlns:p14="http://schemas.microsoft.com/office/powerpoint/2010/main" val="4179048344"/>
+        <p14:creationId xmlns:p14="http://schemas.microsoft.com/office/powerpoint/2010/main" val="759887684"/>
       </p:ext>
     </p:extLst>
   </p:cSld>
@@ -5143,6 +5232,16 @@
                 <a:srgbClr val="3C5790"/>
               </a:solidFill>
             </a:endParaRPr>
+          </a:p>
+          <a:p>
+            <a:r>
+              <a:rPr lang="fr-CA" sz="1600" dirty="0">
+                <a:solidFill>
+                  <a:srgbClr val="3C5790"/>
+                </a:solidFill>
+              </a:rPr>
+              <a:t>SCTP vs TCP</a:t>
+            </a:r>
           </a:p>
           <a:p>
             <a:r>
@@ -5274,20 +5373,12 @@
           <a:lstStyle/>
           <a:p>
             <a:r>
-              <a:rPr lang="fr-CA" dirty="0" err="1">
-                <a:solidFill>
-                  <a:schemeClr val="bg1"/>
-                </a:solidFill>
-              </a:rPr>
-              <a:t>Packet</a:t>
-            </a:r>
-            <a:r>
               <a:rPr lang="fr-CA" dirty="0">
                 <a:solidFill>
                   <a:schemeClr val="bg1"/>
                 </a:solidFill>
               </a:rPr>
-              <a:t> Format (</a:t>
+              <a:t>Components (</a:t>
             </a:r>
             <a:r>
               <a:rPr lang="fr-CA" dirty="0" err="1">
@@ -5310,7 +5401,7 @@
       </p:sp>
       <p:pic>
         <p:nvPicPr>
-          <p:cNvPr id="3" name="Picture 2"/>
+          <p:cNvPr id="2" name="Picture 1"/>
           <p:cNvPicPr>
             <a:picLocks noChangeAspect="1"/>
           </p:cNvPicPr>
@@ -5324,8 +5415,8 @@
         </p:blipFill>
         <p:spPr>
           <a:xfrm>
-            <a:off x="1076325" y="2390775"/>
-            <a:ext cx="6991350" cy="3857625"/>
+            <a:off x="1981200" y="2238375"/>
+            <a:ext cx="4983193" cy="3781425"/>
           </a:xfrm>
           <a:prstGeom prst="rect">
             <a:avLst/>
@@ -5335,7 +5426,7 @@
     </p:spTree>
     <p:extLst>
       <p:ext uri="{BB962C8B-B14F-4D97-AF65-F5344CB8AC3E}">
-        <p14:creationId xmlns:p14="http://schemas.microsoft.com/office/powerpoint/2010/main" val="3491902204"/>
+        <p14:creationId xmlns:p14="http://schemas.microsoft.com/office/powerpoint/2010/main" val="2154488391"/>
       </p:ext>
     </p:extLst>
   </p:cSld>
@@ -5403,23 +5494,7 @@
                   <a:schemeClr val="bg1"/>
                 </a:solidFill>
               </a:rPr>
-              <a:t> Format (</a:t>
-            </a:r>
-            <a:r>
-              <a:rPr lang="fr-CA" dirty="0" err="1">
-                <a:solidFill>
-                  <a:schemeClr val="bg1"/>
-                </a:solidFill>
-              </a:rPr>
-              <a:t>cont</a:t>
-            </a:r>
-            <a:r>
-              <a:rPr lang="fr-CA" dirty="0">
-                <a:solidFill>
-                  <a:schemeClr val="bg1"/>
-                </a:solidFill>
-              </a:rPr>
-              <a:t>.)</a:t>
+              <a:t> Format</a:t>
             </a:r>
           </a:p>
         </p:txBody>
@@ -5440,8 +5515,8 @@
         </p:blipFill>
         <p:spPr>
           <a:xfrm>
-            <a:off x="1195387" y="2359247"/>
-            <a:ext cx="6196013" cy="3355753"/>
+            <a:off x="749490" y="2133600"/>
+            <a:ext cx="7403910" cy="4133850"/>
           </a:xfrm>
           <a:prstGeom prst="rect">
             <a:avLst/>
@@ -5451,7 +5526,7 @@
     </p:spTree>
     <p:extLst>
       <p:ext uri="{BB962C8B-B14F-4D97-AF65-F5344CB8AC3E}">
-        <p14:creationId xmlns:p14="http://schemas.microsoft.com/office/powerpoint/2010/main" val="1150806420"/>
+        <p14:creationId xmlns:p14="http://schemas.microsoft.com/office/powerpoint/2010/main" val="4179048344"/>
       </p:ext>
     </p:extLst>
   </p:cSld>
@@ -5556,8 +5631,8 @@
         </p:blipFill>
         <p:spPr>
           <a:xfrm>
-            <a:off x="1600200" y="2209800"/>
-            <a:ext cx="5857875" cy="3886200"/>
+            <a:off x="1076325" y="2390775"/>
+            <a:ext cx="6991350" cy="3857625"/>
           </a:xfrm>
           <a:prstGeom prst="rect">
             <a:avLst/>
@@ -5567,7 +5642,7 @@
     </p:spTree>
     <p:extLst>
       <p:ext uri="{BB962C8B-B14F-4D97-AF65-F5344CB8AC3E}">
-        <p14:creationId xmlns:p14="http://schemas.microsoft.com/office/powerpoint/2010/main" val="1686131871"/>
+        <p14:creationId xmlns:p14="http://schemas.microsoft.com/office/powerpoint/2010/main" val="3491902204"/>
       </p:ext>
     </p:extLst>
   </p:cSld>
@@ -5672,8 +5747,8 @@
         </p:blipFill>
         <p:spPr>
           <a:xfrm>
-            <a:off x="1143000" y="2057400"/>
-            <a:ext cx="6486525" cy="3981450"/>
+            <a:off x="1195387" y="2359247"/>
+            <a:ext cx="6196013" cy="3355753"/>
           </a:xfrm>
           <a:prstGeom prst="rect">
             <a:avLst/>
@@ -5683,7 +5758,7 @@
     </p:spTree>
     <p:extLst>
       <p:ext uri="{BB962C8B-B14F-4D97-AF65-F5344CB8AC3E}">
-        <p14:creationId xmlns:p14="http://schemas.microsoft.com/office/powerpoint/2010/main" val="3299229108"/>
+        <p14:creationId xmlns:p14="http://schemas.microsoft.com/office/powerpoint/2010/main" val="1150806420"/>
       </p:ext>
     </p:extLst>
   </p:cSld>
@@ -5772,50 +5847,9 @@
           </a:p>
         </p:txBody>
       </p:sp>
-      <p:sp>
-        <p:nvSpPr>
-          <p:cNvPr id="4099" name="Espace réservé du contenu 4"/>
-          <p:cNvSpPr>
-            <a:spLocks noGrp="1"/>
-          </p:cNvSpPr>
-          <p:nvPr>
-            <p:ph idx="1"/>
-          </p:nvPr>
-        </p:nvSpPr>
-        <p:spPr>
-          <a:xfrm>
-            <a:off x="304800" y="1905000"/>
-            <a:ext cx="8534400" cy="685800"/>
-          </a:xfrm>
-        </p:spPr>
-        <p:txBody>
-          <a:bodyPr/>
-          <a:lstStyle/>
-          <a:p>
-            <a:r>
-              <a:rPr lang="en-US" sz="1400" dirty="0">
-                <a:solidFill>
-                  <a:srgbClr val="3C5790"/>
-                </a:solidFill>
-              </a:rPr>
-              <a:t>Incoming packets may be addressed to any one of the multiple IP addresses(multi-homing).</a:t>
-            </a:r>
-          </a:p>
-          <a:p>
-            <a:r>
-              <a:rPr lang="en-US" sz="1400" dirty="0">
-                <a:solidFill>
-                  <a:srgbClr val="3C5790"/>
-                </a:solidFill>
-              </a:rPr>
-              <a:t>If no IP addresses are defined then use IP sender address from IP packet.</a:t>
-            </a:r>
-          </a:p>
-        </p:txBody>
-      </p:sp>
       <p:pic>
         <p:nvPicPr>
-          <p:cNvPr id="2" name="Picture 1"/>
+          <p:cNvPr id="3" name="Picture 2"/>
           <p:cNvPicPr>
             <a:picLocks noChangeAspect="1"/>
           </p:cNvPicPr>
@@ -5829,8 +5863,8 @@
         </p:blipFill>
         <p:spPr>
           <a:xfrm>
-            <a:off x="2209800" y="2943225"/>
-            <a:ext cx="4457700" cy="1171575"/>
+            <a:off x="1600200" y="2209800"/>
+            <a:ext cx="5857875" cy="3886200"/>
           </a:xfrm>
           <a:prstGeom prst="rect">
             <a:avLst/>
@@ -5840,7 +5874,7 @@
     </p:spTree>
     <p:extLst>
       <p:ext uri="{BB962C8B-B14F-4D97-AF65-F5344CB8AC3E}">
-        <p14:creationId xmlns:p14="http://schemas.microsoft.com/office/powerpoint/2010/main" val="1785209455"/>
+        <p14:creationId xmlns:p14="http://schemas.microsoft.com/office/powerpoint/2010/main" val="1686131871"/>
       </p:ext>
     </p:extLst>
   </p:cSld>
@@ -5929,50 +5963,9 @@
           </a:p>
         </p:txBody>
       </p:sp>
-      <p:sp>
-        <p:nvSpPr>
-          <p:cNvPr id="4099" name="Espace réservé du contenu 4"/>
-          <p:cNvSpPr>
-            <a:spLocks noGrp="1"/>
-          </p:cNvSpPr>
-          <p:nvPr>
-            <p:ph idx="1"/>
-          </p:nvPr>
-        </p:nvSpPr>
-        <p:spPr>
-          <a:xfrm>
-            <a:off x="304800" y="1905000"/>
-            <a:ext cx="8534400" cy="838200"/>
-          </a:xfrm>
-        </p:spPr>
-        <p:txBody>
-          <a:bodyPr/>
-          <a:lstStyle/>
-          <a:p>
-            <a:r>
-              <a:rPr lang="en-US" sz="1400" dirty="0">
-                <a:solidFill>
-                  <a:srgbClr val="3C5790"/>
-                </a:solidFill>
-              </a:rPr>
-              <a:t>COOKIE expires to protect against replay attacks</a:t>
-            </a:r>
-          </a:p>
-          <a:p>
-            <a:r>
-              <a:rPr lang="en-US" sz="1400" dirty="0">
-                <a:solidFill>
-                  <a:srgbClr val="3C5790"/>
-                </a:solidFill>
-              </a:rPr>
-              <a:t>Sender of COOKIE destroys all state</a:t>
-            </a:r>
-          </a:p>
-        </p:txBody>
-      </p:sp>
       <p:pic>
         <p:nvPicPr>
-          <p:cNvPr id="4" name="Picture 3"/>
+          <p:cNvPr id="3" name="Picture 2"/>
           <p:cNvPicPr>
             <a:picLocks noChangeAspect="1"/>
           </p:cNvPicPr>
@@ -5986,8 +5979,8 @@
         </p:blipFill>
         <p:spPr>
           <a:xfrm>
-            <a:off x="1600200" y="2667000"/>
-            <a:ext cx="6038850" cy="3571875"/>
+            <a:off x="1143000" y="2057400"/>
+            <a:ext cx="6486525" cy="3981450"/>
           </a:xfrm>
           <a:prstGeom prst="rect">
             <a:avLst/>
@@ -5997,7 +5990,7 @@
     </p:spTree>
     <p:extLst>
       <p:ext uri="{BB962C8B-B14F-4D97-AF65-F5344CB8AC3E}">
-        <p14:creationId xmlns:p14="http://schemas.microsoft.com/office/powerpoint/2010/main" val="165746385"/>
+        <p14:creationId xmlns:p14="http://schemas.microsoft.com/office/powerpoint/2010/main" val="3299229108"/>
       </p:ext>
     </p:extLst>
   </p:cSld>
@@ -6086,9 +6079,50 @@
           </a:p>
         </p:txBody>
       </p:sp>
+      <p:sp>
+        <p:nvSpPr>
+          <p:cNvPr id="4099" name="Espace réservé du contenu 4"/>
+          <p:cNvSpPr>
+            <a:spLocks noGrp="1"/>
+          </p:cNvSpPr>
+          <p:nvPr>
+            <p:ph idx="1"/>
+          </p:nvPr>
+        </p:nvSpPr>
+        <p:spPr>
+          <a:xfrm>
+            <a:off x="304800" y="1905000"/>
+            <a:ext cx="8534400" cy="685800"/>
+          </a:xfrm>
+        </p:spPr>
+        <p:txBody>
+          <a:bodyPr/>
+          <a:lstStyle/>
+          <a:p>
+            <a:r>
+              <a:rPr lang="en-US" sz="1400" dirty="0">
+                <a:solidFill>
+                  <a:srgbClr val="3C5790"/>
+                </a:solidFill>
+              </a:rPr>
+              <a:t>Incoming packets may be addressed to any one of the multiple IP addresses(multi-homing).</a:t>
+            </a:r>
+          </a:p>
+          <a:p>
+            <a:r>
+              <a:rPr lang="en-US" sz="1400" dirty="0">
+                <a:solidFill>
+                  <a:srgbClr val="3C5790"/>
+                </a:solidFill>
+              </a:rPr>
+              <a:t>If no IP addresses are defined then use IP sender address from IP packet.</a:t>
+            </a:r>
+          </a:p>
+        </p:txBody>
+      </p:sp>
       <p:pic>
         <p:nvPicPr>
-          <p:cNvPr id="3" name="Picture 2"/>
+          <p:cNvPr id="2" name="Picture 1"/>
           <p:cNvPicPr>
             <a:picLocks noChangeAspect="1"/>
           </p:cNvPicPr>
@@ -6102,8 +6136,8 @@
         </p:blipFill>
         <p:spPr>
           <a:xfrm>
-            <a:off x="1295400" y="2438400"/>
-            <a:ext cx="6467475" cy="3248025"/>
+            <a:off x="2209800" y="2943225"/>
+            <a:ext cx="4457700" cy="1171575"/>
           </a:xfrm>
           <a:prstGeom prst="rect">
             <a:avLst/>
@@ -6113,7 +6147,7 @@
     </p:spTree>
     <p:extLst>
       <p:ext uri="{BB962C8B-B14F-4D97-AF65-F5344CB8AC3E}">
-        <p14:creationId xmlns:p14="http://schemas.microsoft.com/office/powerpoint/2010/main" val="3927918074"/>
+        <p14:creationId xmlns:p14="http://schemas.microsoft.com/office/powerpoint/2010/main" val="1785209455"/>
       </p:ext>
     </p:extLst>
   </p:cSld>
@@ -6202,9 +6236,50 @@
           </a:p>
         </p:txBody>
       </p:sp>
+      <p:sp>
+        <p:nvSpPr>
+          <p:cNvPr id="4099" name="Espace réservé du contenu 4"/>
+          <p:cNvSpPr>
+            <a:spLocks noGrp="1"/>
+          </p:cNvSpPr>
+          <p:nvPr>
+            <p:ph idx="1"/>
+          </p:nvPr>
+        </p:nvSpPr>
+        <p:spPr>
+          <a:xfrm>
+            <a:off x="304800" y="1905000"/>
+            <a:ext cx="8534400" cy="838200"/>
+          </a:xfrm>
+        </p:spPr>
+        <p:txBody>
+          <a:bodyPr/>
+          <a:lstStyle/>
+          <a:p>
+            <a:r>
+              <a:rPr lang="en-US" sz="1400" dirty="0">
+                <a:solidFill>
+                  <a:srgbClr val="3C5790"/>
+                </a:solidFill>
+              </a:rPr>
+              <a:t>COOKIE expires to protect against replay attacks</a:t>
+            </a:r>
+          </a:p>
+          <a:p>
+            <a:r>
+              <a:rPr lang="en-US" sz="1400" dirty="0">
+                <a:solidFill>
+                  <a:srgbClr val="3C5790"/>
+                </a:solidFill>
+              </a:rPr>
+              <a:t>Sender of COOKIE destroys all state</a:t>
+            </a:r>
+          </a:p>
+        </p:txBody>
+      </p:sp>
       <p:pic>
         <p:nvPicPr>
-          <p:cNvPr id="2" name="Picture 1"/>
+          <p:cNvPr id="4" name="Picture 3"/>
           <p:cNvPicPr>
             <a:picLocks noChangeAspect="1"/>
           </p:cNvPicPr>
@@ -6218,8 +6293,8 @@
         </p:blipFill>
         <p:spPr>
           <a:xfrm>
-            <a:off x="990600" y="2209800"/>
-            <a:ext cx="6838950" cy="4029075"/>
+            <a:off x="1600200" y="2667000"/>
+            <a:ext cx="6038850" cy="3571875"/>
           </a:xfrm>
           <a:prstGeom prst="rect">
             <a:avLst/>
@@ -6229,7 +6304,7 @@
     </p:spTree>
     <p:extLst>
       <p:ext uri="{BB962C8B-B14F-4D97-AF65-F5344CB8AC3E}">
-        <p14:creationId xmlns:p14="http://schemas.microsoft.com/office/powerpoint/2010/main" val="419317907"/>
+        <p14:creationId xmlns:p14="http://schemas.microsoft.com/office/powerpoint/2010/main" val="165746385"/>
       </p:ext>
     </p:extLst>
   </p:cSld>
@@ -6334,8 +6409,8 @@
         </p:blipFill>
         <p:spPr>
           <a:xfrm>
-            <a:off x="1548238" y="2124075"/>
-            <a:ext cx="5995562" cy="3971925"/>
+            <a:off x="1295400" y="2438400"/>
+            <a:ext cx="6467475" cy="3248025"/>
           </a:xfrm>
           <a:prstGeom prst="rect">
             <a:avLst/>
@@ -6345,7 +6420,7 @@
     </p:spTree>
     <p:extLst>
       <p:ext uri="{BB962C8B-B14F-4D97-AF65-F5344CB8AC3E}">
-        <p14:creationId xmlns:p14="http://schemas.microsoft.com/office/powerpoint/2010/main" val="4067673112"/>
+        <p14:creationId xmlns:p14="http://schemas.microsoft.com/office/powerpoint/2010/main" val="3927918074"/>
       </p:ext>
     </p:extLst>
   </p:cSld>
@@ -6400,19 +6475,43 @@
           <a:lstStyle/>
           <a:p>
             <a:r>
+              <a:rPr lang="fr-CA" dirty="0" err="1">
+                <a:solidFill>
+                  <a:schemeClr val="bg1"/>
+                </a:solidFill>
+              </a:rPr>
+              <a:t>Packet</a:t>
+            </a:r>
+            <a:r>
               <a:rPr lang="fr-CA" dirty="0">
                 <a:solidFill>
                   <a:schemeClr val="bg1"/>
                 </a:solidFill>
               </a:rPr>
-              <a:t>State</a:t>
+              <a:t> Format (</a:t>
+            </a:r>
+            <a:r>
+              <a:rPr lang="fr-CA" dirty="0" err="1">
+                <a:solidFill>
+                  <a:schemeClr val="bg1"/>
+                </a:solidFill>
+              </a:rPr>
+              <a:t>cont</a:t>
+            </a:r>
+            <a:r>
+              <a:rPr lang="fr-CA" dirty="0">
+                <a:solidFill>
+                  <a:schemeClr val="bg1"/>
+                </a:solidFill>
+              </a:rPr>
+              <a:t>.)</a:t>
             </a:r>
           </a:p>
         </p:txBody>
       </p:sp>
       <p:pic>
         <p:nvPicPr>
-          <p:cNvPr id="3" name="Picture 2"/>
+          <p:cNvPr id="2" name="Picture 1"/>
           <p:cNvPicPr>
             <a:picLocks noChangeAspect="1"/>
           </p:cNvPicPr>
@@ -6426,8 +6525,8 @@
         </p:blipFill>
         <p:spPr>
           <a:xfrm>
-            <a:off x="1600200" y="2286000"/>
-            <a:ext cx="5553075" cy="3648075"/>
+            <a:off x="990600" y="2209800"/>
+            <a:ext cx="6838950" cy="4029075"/>
           </a:xfrm>
           <a:prstGeom prst="rect">
             <a:avLst/>
@@ -6437,7 +6536,7 @@
     </p:spTree>
     <p:extLst>
       <p:ext uri="{BB962C8B-B14F-4D97-AF65-F5344CB8AC3E}">
-        <p14:creationId xmlns:p14="http://schemas.microsoft.com/office/powerpoint/2010/main" val="1413264713"/>
+        <p14:creationId xmlns:p14="http://schemas.microsoft.com/office/powerpoint/2010/main" val="419317907"/>
       </p:ext>
     </p:extLst>
   </p:cSld>
@@ -6625,6 +6724,214 @@
           <a:lstStyle/>
           <a:p>
             <a:r>
+              <a:rPr lang="fr-CA" dirty="0" err="1">
+                <a:solidFill>
+                  <a:schemeClr val="bg1"/>
+                </a:solidFill>
+              </a:rPr>
+              <a:t>Packet</a:t>
+            </a:r>
+            <a:r>
+              <a:rPr lang="fr-CA" dirty="0">
+                <a:solidFill>
+                  <a:schemeClr val="bg1"/>
+                </a:solidFill>
+              </a:rPr>
+              <a:t> Format (</a:t>
+            </a:r>
+            <a:r>
+              <a:rPr lang="fr-CA" dirty="0" err="1">
+                <a:solidFill>
+                  <a:schemeClr val="bg1"/>
+                </a:solidFill>
+              </a:rPr>
+              <a:t>cont</a:t>
+            </a:r>
+            <a:r>
+              <a:rPr lang="fr-CA" dirty="0">
+                <a:solidFill>
+                  <a:schemeClr val="bg1"/>
+                </a:solidFill>
+              </a:rPr>
+              <a:t>.)</a:t>
+            </a:r>
+          </a:p>
+        </p:txBody>
+      </p:sp>
+      <p:pic>
+        <p:nvPicPr>
+          <p:cNvPr id="3" name="Picture 2"/>
+          <p:cNvPicPr>
+            <a:picLocks noChangeAspect="1"/>
+          </p:cNvPicPr>
+          <p:nvPr/>
+        </p:nvPicPr>
+        <p:blipFill>
+          <a:blip r:embed="rId3"/>
+          <a:stretch>
+            <a:fillRect/>
+          </a:stretch>
+        </p:blipFill>
+        <p:spPr>
+          <a:xfrm>
+            <a:off x="1548238" y="2124075"/>
+            <a:ext cx="5995562" cy="3971925"/>
+          </a:xfrm>
+          <a:prstGeom prst="rect">
+            <a:avLst/>
+          </a:prstGeom>
+        </p:spPr>
+      </p:pic>
+    </p:spTree>
+    <p:extLst>
+      <p:ext uri="{BB962C8B-B14F-4D97-AF65-F5344CB8AC3E}">
+        <p14:creationId xmlns:p14="http://schemas.microsoft.com/office/powerpoint/2010/main" val="4067673112"/>
+      </p:ext>
+    </p:extLst>
+  </p:cSld>
+  <p:clrMapOvr>
+    <a:masterClrMapping/>
+  </p:clrMapOvr>
+</p:sld>
+</file>
+
+<file path=ppt/slides/slide31.xml><?xml version="1.0" encoding="utf-8"?>
+<p:sld xmlns:a="http://schemas.openxmlformats.org/drawingml/2006/main" xmlns:r="http://schemas.openxmlformats.org/officeDocument/2006/relationships" xmlns:p="http://schemas.openxmlformats.org/presentationml/2006/main">
+  <p:cSld>
+    <p:bg>
+      <p:bgPr>
+        <a:blipFill dpi="0" rotWithShape="0">
+          <a:blip r:embed="rId2" cstate="print"/>
+          <a:srcRect/>
+          <a:stretch>
+            <a:fillRect/>
+          </a:stretch>
+        </a:blipFill>
+        <a:effectLst/>
+      </p:bgPr>
+    </p:bg>
+    <p:spTree>
+      <p:nvGrpSpPr>
+        <p:cNvPr id="1" name=""/>
+        <p:cNvGrpSpPr/>
+        <p:nvPr/>
+      </p:nvGrpSpPr>
+      <p:grpSpPr>
+        <a:xfrm>
+          <a:off x="0" y="0"/>
+          <a:ext cx="0" cy="0"/>
+          <a:chOff x="0" y="0"/>
+          <a:chExt cx="0" cy="0"/>
+        </a:xfrm>
+      </p:grpSpPr>
+      <p:sp>
+        <p:nvSpPr>
+          <p:cNvPr id="4098" name="Titre 3"/>
+          <p:cNvSpPr>
+            <a:spLocks noGrp="1"/>
+          </p:cNvSpPr>
+          <p:nvPr>
+            <p:ph type="title"/>
+          </p:nvPr>
+        </p:nvSpPr>
+        <p:spPr/>
+        <p:txBody>
+          <a:bodyPr/>
+          <a:lstStyle/>
+          <a:p>
+            <a:r>
+              <a:rPr lang="fr-CA" dirty="0">
+                <a:solidFill>
+                  <a:schemeClr val="bg1"/>
+                </a:solidFill>
+              </a:rPr>
+              <a:t>State</a:t>
+            </a:r>
+          </a:p>
+        </p:txBody>
+      </p:sp>
+      <p:pic>
+        <p:nvPicPr>
+          <p:cNvPr id="3" name="Picture 2"/>
+          <p:cNvPicPr>
+            <a:picLocks noChangeAspect="1"/>
+          </p:cNvPicPr>
+          <p:nvPr/>
+        </p:nvPicPr>
+        <p:blipFill>
+          <a:blip r:embed="rId3"/>
+          <a:stretch>
+            <a:fillRect/>
+          </a:stretch>
+        </p:blipFill>
+        <p:spPr>
+          <a:xfrm>
+            <a:off x="1600200" y="2286000"/>
+            <a:ext cx="5553075" cy="3648075"/>
+          </a:xfrm>
+          <a:prstGeom prst="rect">
+            <a:avLst/>
+          </a:prstGeom>
+        </p:spPr>
+      </p:pic>
+    </p:spTree>
+    <p:extLst>
+      <p:ext uri="{BB962C8B-B14F-4D97-AF65-F5344CB8AC3E}">
+        <p14:creationId xmlns:p14="http://schemas.microsoft.com/office/powerpoint/2010/main" val="1413264713"/>
+      </p:ext>
+    </p:extLst>
+  </p:cSld>
+  <p:clrMapOvr>
+    <a:masterClrMapping/>
+  </p:clrMapOvr>
+</p:sld>
+</file>
+
+<file path=ppt/slides/slide32.xml><?xml version="1.0" encoding="utf-8"?>
+<p:sld xmlns:a="http://schemas.openxmlformats.org/drawingml/2006/main" xmlns:r="http://schemas.openxmlformats.org/officeDocument/2006/relationships" xmlns:p="http://schemas.openxmlformats.org/presentationml/2006/main">
+  <p:cSld>
+    <p:bg>
+      <p:bgPr>
+        <a:blipFill dpi="0" rotWithShape="0">
+          <a:blip r:embed="rId2" cstate="print"/>
+          <a:srcRect/>
+          <a:stretch>
+            <a:fillRect/>
+          </a:stretch>
+        </a:blipFill>
+        <a:effectLst/>
+      </p:bgPr>
+    </p:bg>
+    <p:spTree>
+      <p:nvGrpSpPr>
+        <p:cNvPr id="1" name=""/>
+        <p:cNvGrpSpPr/>
+        <p:nvPr/>
+      </p:nvGrpSpPr>
+      <p:grpSpPr>
+        <a:xfrm>
+          <a:off x="0" y="0"/>
+          <a:ext cx="0" cy="0"/>
+          <a:chOff x="0" y="0"/>
+          <a:chExt cx="0" cy="0"/>
+        </a:xfrm>
+      </p:grpSpPr>
+      <p:sp>
+        <p:nvSpPr>
+          <p:cNvPr id="4098" name="Titre 3"/>
+          <p:cNvSpPr>
+            <a:spLocks noGrp="1"/>
+          </p:cNvSpPr>
+          <p:nvPr>
+            <p:ph type="title"/>
+          </p:nvPr>
+        </p:nvSpPr>
+        <p:spPr/>
+        <p:txBody>
+          <a:bodyPr/>
+          <a:lstStyle/>
+          <a:p>
+            <a:r>
               <a:rPr lang="fr-CA" dirty="0">
                 <a:solidFill>
                   <a:schemeClr val="bg1"/>
@@ -6688,7 +6995,7 @@
 </p:sld>
 </file>
 
-<file path=ppt/slides/slide31.xml><?xml version="1.0" encoding="utf-8"?>
+<file path=ppt/slides/slide33.xml><?xml version="1.0" encoding="utf-8"?>
 <p:sld xmlns:a="http://schemas.openxmlformats.org/drawingml/2006/main" xmlns:r="http://schemas.openxmlformats.org/officeDocument/2006/relationships" xmlns:p="http://schemas.openxmlformats.org/presentationml/2006/main">
   <p:cSld>
     <p:bg>
@@ -7578,18 +7885,13 @@
           <a:lstStyle/>
           <a:p>
             <a:r>
-              <a:rPr lang="fr-CA" dirty="0" err="1">
-                <a:solidFill>
-                  <a:schemeClr val="bg1"/>
-                </a:solidFill>
-              </a:rPr>
-              <a:t>Core</a:t>
-            </a:r>
-            <a:endParaRPr lang="fr-CA" dirty="0">
-              <a:solidFill>
-                <a:schemeClr val="bg1"/>
-              </a:solidFill>
-            </a:endParaRPr>
+              <a:rPr lang="fr-CA" dirty="0">
+                <a:solidFill>
+                  <a:schemeClr val="bg1"/>
+                </a:solidFill>
+              </a:rPr>
+              <a:t>TCP vs SCTP</a:t>
+            </a:r>
           </a:p>
         </p:txBody>
       </p:sp>
@@ -7606,7 +7908,7 @@
         <p:spPr>
           <a:xfrm>
             <a:off x="304800" y="1905000"/>
-            <a:ext cx="8534400" cy="990600"/>
+            <a:ext cx="8534400" cy="4114800"/>
           </a:xfrm>
         </p:spPr>
         <p:txBody>
@@ -7614,40 +7916,174 @@
           <a:lstStyle/>
           <a:p>
             <a:r>
+              <a:rPr lang="en-US" sz="1400" b="1" dirty="0">
+                <a:solidFill>
+                  <a:srgbClr val="3C5790"/>
+                </a:solidFill>
+              </a:rPr>
+              <a:t>TCP like SCTP</a:t>
+            </a:r>
+          </a:p>
+          <a:p>
+            <a:r>
               <a:rPr lang="en-US" sz="1400" dirty="0">
                 <a:solidFill>
                   <a:srgbClr val="3C5790"/>
                 </a:solidFill>
               </a:rPr>
-              <a:t>Protocol stack</a:t>
-            </a:r>
-          </a:p>
-        </p:txBody>
-      </p:sp>
-      <p:pic>
-        <p:nvPicPr>
-          <p:cNvPr id="2" name="Picture 1"/>
-          <p:cNvPicPr>
-            <a:picLocks noChangeAspect="1"/>
-          </p:cNvPicPr>
-          <p:nvPr/>
-        </p:nvPicPr>
-        <p:blipFill>
-          <a:blip r:embed="rId3"/>
-          <a:stretch>
-            <a:fillRect/>
-          </a:stretch>
-        </p:blipFill>
-        <p:spPr>
-          <a:xfrm>
-            <a:off x="2667000" y="2667000"/>
-            <a:ext cx="3317875" cy="2895600"/>
-          </a:xfrm>
-          <a:prstGeom prst="rect">
-            <a:avLst/>
-          </a:prstGeom>
-        </p:spPr>
-      </p:pic>
+              <a:t>uses a checksum and sequence number(Transmission Sequence Number)</a:t>
+            </a:r>
+          </a:p>
+          <a:p>
+            <a:r>
+              <a:rPr lang="en-US" sz="1400" dirty="0">
+                <a:solidFill>
+                  <a:srgbClr val="3C5790"/>
+                </a:solidFill>
+              </a:rPr>
+              <a:t>is connection oriented</a:t>
+            </a:r>
+          </a:p>
+          <a:p>
+            <a:r>
+              <a:rPr lang="en-US" sz="1400" dirty="0">
+                <a:solidFill>
+                  <a:srgbClr val="3C5790"/>
+                </a:solidFill>
+              </a:rPr>
+              <a:t>implements </a:t>
+            </a:r>
+            <a:r>
+              <a:rPr lang="en-US" sz="1400" dirty="0" err="1">
+                <a:solidFill>
+                  <a:srgbClr val="3C5790"/>
+                </a:solidFill>
+              </a:rPr>
+              <a:t>tcp</a:t>
+            </a:r>
+            <a:r>
+              <a:rPr lang="en-US" sz="1400" dirty="0">
+                <a:solidFill>
+                  <a:srgbClr val="3C5790"/>
+                </a:solidFill>
+              </a:rPr>
+              <a:t>-like mechanisms of:</a:t>
+            </a:r>
+          </a:p>
+          <a:p>
+            <a:pPr lvl="1"/>
+            <a:r>
+              <a:rPr lang="en-US" sz="1400" dirty="0">
+                <a:solidFill>
+                  <a:srgbClr val="3C5790"/>
+                </a:solidFill>
+              </a:rPr>
+              <a:t>reliable transmission</a:t>
+            </a:r>
+          </a:p>
+          <a:p>
+            <a:pPr lvl="1"/>
+            <a:r>
+              <a:rPr lang="en-US" sz="1400" dirty="0">
+                <a:solidFill>
+                  <a:srgbClr val="3C5790"/>
+                </a:solidFill>
+              </a:rPr>
+              <a:t>ordered delivery</a:t>
+            </a:r>
+          </a:p>
+          <a:p>
+            <a:pPr lvl="1"/>
+            <a:r>
+              <a:rPr lang="en-US" sz="1400" dirty="0">
+                <a:solidFill>
+                  <a:srgbClr val="3C5790"/>
+                </a:solidFill>
+              </a:rPr>
+              <a:t>flow and congestion control follow TCP algorithms</a:t>
+            </a:r>
+          </a:p>
+          <a:p>
+            <a:pPr lvl="1"/>
+            <a:r>
+              <a:rPr lang="en-US" sz="1400" dirty="0" err="1">
+                <a:solidFill>
+                  <a:srgbClr val="3C5790"/>
+                </a:solidFill>
+              </a:rPr>
+              <a:t>slowstart</a:t>
+            </a:r>
+            <a:endParaRPr lang="en-US" sz="1400" dirty="0">
+              <a:solidFill>
+                <a:srgbClr val="3C5790"/>
+              </a:solidFill>
+            </a:endParaRPr>
+          </a:p>
+          <a:p>
+            <a:pPr lvl="1"/>
+            <a:r>
+              <a:rPr lang="en-US" sz="1400" dirty="0">
+                <a:solidFill>
+                  <a:srgbClr val="3C5790"/>
+                </a:solidFill>
+              </a:rPr>
+              <a:t>fast recovery</a:t>
+            </a:r>
+          </a:p>
+          <a:p>
+            <a:pPr lvl="1"/>
+            <a:r>
+              <a:rPr lang="en-US" sz="1400" dirty="0">
+                <a:solidFill>
+                  <a:srgbClr val="3C5790"/>
+                </a:solidFill>
+              </a:rPr>
+              <a:t>fast retransmit--upon receiving 4 consecutive SACKs</a:t>
+            </a:r>
+          </a:p>
+          <a:p>
+            <a:pPr lvl="1"/>
+            <a:r>
+              <a:rPr lang="en-US" sz="1400" dirty="0">
+                <a:solidFill>
+                  <a:srgbClr val="3C5790"/>
+                </a:solidFill>
+              </a:rPr>
+              <a:t>delayed acks</a:t>
+            </a:r>
+          </a:p>
+          <a:p>
+            <a:pPr lvl="1"/>
+            <a:r>
+              <a:rPr lang="en-US" sz="1400" dirty="0">
+                <a:solidFill>
+                  <a:srgbClr val="3C5790"/>
+                </a:solidFill>
+              </a:rPr>
+              <a:t>SACK</a:t>
+            </a:r>
+          </a:p>
+          <a:p>
+            <a:pPr lvl="1"/>
+            <a:r>
+              <a:rPr lang="en-US" sz="1400" dirty="0" err="1">
+                <a:solidFill>
+                  <a:srgbClr val="3C5790"/>
+                </a:solidFill>
+              </a:rPr>
+              <a:t>ssthresh</a:t>
+            </a:r>
+            <a:r>
+              <a:rPr lang="en-US" sz="1400" dirty="0">
+                <a:solidFill>
+                  <a:srgbClr val="3C5790"/>
+                </a:solidFill>
+              </a:rPr>
+              <a:t>, RTO, CWND, etc.</a:t>
+            </a:r>
+          </a:p>
+        </p:txBody>
+      </p:sp>
     </p:spTree>
     <p:extLst>
       <p:ext uri="{BB962C8B-B14F-4D97-AF65-F5344CB8AC3E}">
@@ -7706,20 +8142,12 @@
           <a:lstStyle/>
           <a:p>
             <a:r>
-              <a:rPr lang="fr-CA" dirty="0" err="1">
-                <a:solidFill>
-                  <a:schemeClr val="bg1"/>
-                </a:solidFill>
-              </a:rPr>
-              <a:t>Core</a:t>
-            </a:r>
-            <a:r>
               <a:rPr lang="fr-CA" dirty="0">
                 <a:solidFill>
                   <a:schemeClr val="bg1"/>
                 </a:solidFill>
               </a:rPr>
-              <a:t> (</a:t>
+              <a:t>TCP vs SCTP (</a:t>
             </a:r>
             <a:r>
               <a:rPr lang="fr-CA" dirty="0" err="1">
@@ -7753,7 +8181,7 @@
         <p:spPr>
           <a:xfrm>
             <a:off x="304800" y="1905000"/>
-            <a:ext cx="8534400" cy="3810000"/>
+            <a:ext cx="8534400" cy="4678362"/>
           </a:xfrm>
         </p:spPr>
         <p:txBody>
@@ -7761,56 +8189,82 @@
           <a:lstStyle/>
           <a:p>
             <a:r>
+              <a:rPr lang="en-US" sz="1400" b="1" dirty="0">
+                <a:solidFill>
+                  <a:srgbClr val="3C5790"/>
+                </a:solidFill>
+              </a:rPr>
+              <a:t>SCTP unlike TCP</a:t>
+            </a:r>
+          </a:p>
+          <a:p>
+            <a:r>
               <a:rPr lang="en-US" sz="1400" dirty="0">
                 <a:solidFill>
                   <a:srgbClr val="3C5790"/>
                 </a:solidFill>
               </a:rPr>
-              <a:t>TCP issues:</a:t>
-            </a:r>
-          </a:p>
-          <a:p>
-            <a:pPr lvl="1"/>
+              <a:t>uses a 32-bit checksum as opposed to a 16-bit checksum</a:t>
+            </a:r>
+          </a:p>
+          <a:p>
             <a:r>
               <a:rPr lang="en-US" sz="1400" dirty="0">
                 <a:solidFill>
                   <a:srgbClr val="3C5790"/>
                 </a:solidFill>
               </a:rPr>
-              <a:t>Head of line blocking in TCP</a:t>
-            </a:r>
-          </a:p>
-          <a:p>
-            <a:pPr lvl="1"/>
+              <a:t>can have several streams within an association</a:t>
+            </a:r>
+          </a:p>
+          <a:p>
             <a:r>
               <a:rPr lang="en-US" sz="1400" dirty="0">
                 <a:solidFill>
                   <a:srgbClr val="3C5790"/>
                 </a:solidFill>
               </a:rPr>
-              <a:t>TCP is stream (byte) oriented)</a:t>
-            </a:r>
-          </a:p>
-          <a:p>
-            <a:pPr lvl="1"/>
+              <a:t>uses 4 messages in setting up an association and data may be sent with 3 &amp; 4</a:t>
+            </a:r>
+          </a:p>
+          <a:p>
             <a:r>
               <a:rPr lang="en-US" sz="1400" dirty="0">
                 <a:solidFill>
                   <a:srgbClr val="3C5790"/>
                 </a:solidFill>
               </a:rPr>
-              <a:t>Fault-tolerance</a:t>
-            </a:r>
-          </a:p>
-          <a:p>
-            <a:pPr lvl="1"/>
+              <a:t>uses 3 messages for shutdown--there are no half-open connections</a:t>
+            </a:r>
+          </a:p>
+          <a:p>
             <a:r>
               <a:rPr lang="en-US" sz="1400" dirty="0">
                 <a:solidFill>
                   <a:srgbClr val="3C5790"/>
                 </a:solidFill>
               </a:rPr>
-              <a:t>TCP vulnerable to Denial of Service attacks</a:t>
+              <a:t>can use multi-homed endpoints for redundancy</a:t>
+            </a:r>
+          </a:p>
+          <a:p>
+            <a:r>
+              <a:rPr lang="en-US" sz="1400" dirty="0">
+                <a:solidFill>
+                  <a:srgbClr val="3C5790"/>
+                </a:solidFill>
+              </a:rPr>
+              <a:t>IP multicast and broadcast are NOT supported</a:t>
+            </a:r>
+          </a:p>
+          <a:p>
+            <a:r>
+              <a:rPr lang="en-US" sz="1400" dirty="0">
+                <a:solidFill>
+                  <a:srgbClr val="3C5790"/>
+                </a:solidFill>
+              </a:rPr>
+              <a:t>a packet includes a common header plus one or more chunks which can be control or data</a:t>
             </a:r>
           </a:p>
         </p:txBody>
@@ -7818,7 +8272,7 @@
     </p:spTree>
     <p:extLst>
       <p:ext uri="{BB962C8B-B14F-4D97-AF65-F5344CB8AC3E}">
-        <p14:creationId xmlns:p14="http://schemas.microsoft.com/office/powerpoint/2010/main" val="877390435"/>
+        <p14:creationId xmlns:p14="http://schemas.microsoft.com/office/powerpoint/2010/main" val="668560776"/>
       </p:ext>
     </p:extLst>
   </p:cSld>
